--- a/3. 자기소개/자기소개_윤선호.pptx
+++ b/3. 자기소개/자기소개_윤선호.pptx
@@ -108,7 +108,7 @@
   </p:defaultTextStyle>
   <p:extLst>
     <p:ext uri="{EFAFB233-063F-42B5-8137-9DF3F51BA10A}">
-      <p15:sldGuideLst xmlns:p15="http://schemas.microsoft.com/office/powerpoint/2012/main" xmlns=""/>
+      <p15:sldGuideLst xmlns="" xmlns:p15="http://schemas.microsoft.com/office/powerpoint/2012/main"/>
     </p:ext>
   </p:extLst>
 </p:presentation>
@@ -136,7 +136,7 @@
           <p:cNvPr id="10" name="그림 9">
             <a:extLst>
               <a:ext uri="{FF2B5EF4-FFF2-40B4-BE49-F238E27FC236}">
-                <a16:creationId xmlns:a16="http://schemas.microsoft.com/office/drawing/2014/main" xmlns="" id="{C9F0CF49-CE39-5842-93ED-5F5C7DD001BC}"/>
+                <a16:creationId xmlns="" xmlns:a16="http://schemas.microsoft.com/office/drawing/2014/main" id="{C9F0CF49-CE39-5842-93ED-5F5C7DD001BC}"/>
               </a:ext>
             </a:extLst>
           </p:cNvPr>
@@ -166,7 +166,7 @@
           <p:cNvPr id="11" name="모서리가 둥근 직사각형 10">
             <a:extLst>
               <a:ext uri="{FF2B5EF4-FFF2-40B4-BE49-F238E27FC236}">
-                <a16:creationId xmlns:a16="http://schemas.microsoft.com/office/drawing/2014/main" xmlns="" id="{EA1D7088-1BF9-2F4B-9EFA-4650839CD997}"/>
+                <a16:creationId xmlns="" xmlns:a16="http://schemas.microsoft.com/office/drawing/2014/main" id="{EA1D7088-1BF9-2F4B-9EFA-4650839CD997}"/>
               </a:ext>
             </a:extLst>
           </p:cNvPr>
@@ -213,7 +213,7 @@
     </p:spTree>
     <p:extLst>
       <p:ext uri="{BB962C8B-B14F-4D97-AF65-F5344CB8AC3E}">
-        <p14:creationId xmlns:p14="http://schemas.microsoft.com/office/powerpoint/2010/main" xmlns="" val="2586916570"/>
+        <p14:creationId xmlns="" xmlns:p14="http://schemas.microsoft.com/office/powerpoint/2010/main" val="2586916570"/>
       </p:ext>
     </p:extLst>
   </p:cSld>
@@ -245,7 +245,7 @@
           <p:cNvPr id="2" name="제목 1">
             <a:extLst>
               <a:ext uri="{FF2B5EF4-FFF2-40B4-BE49-F238E27FC236}">
-                <a16:creationId xmlns:a16="http://schemas.microsoft.com/office/drawing/2014/main" xmlns="" id="{37AAE722-0433-8A44-851C-90B27077C9E6}"/>
+                <a16:creationId xmlns="" xmlns:a16="http://schemas.microsoft.com/office/drawing/2014/main" id="{37AAE722-0433-8A44-851C-90B27077C9E6}"/>
               </a:ext>
             </a:extLst>
           </p:cNvPr>
@@ -273,7 +273,7 @@
           <p:cNvPr id="3" name="세로 텍스트 개체 틀 2">
             <a:extLst>
               <a:ext uri="{FF2B5EF4-FFF2-40B4-BE49-F238E27FC236}">
-                <a16:creationId xmlns:a16="http://schemas.microsoft.com/office/drawing/2014/main" xmlns="" id="{A7B62F66-9D23-BF4F-A290-2FBEC4887D3A}"/>
+                <a16:creationId xmlns="" xmlns:a16="http://schemas.microsoft.com/office/drawing/2014/main" id="{A7B62F66-9D23-BF4F-A290-2FBEC4887D3A}"/>
               </a:ext>
             </a:extLst>
           </p:cNvPr>
@@ -305,7 +305,7 @@
           <p:cNvPr id="4" name="날짜 개체 틀 3">
             <a:extLst>
               <a:ext uri="{FF2B5EF4-FFF2-40B4-BE49-F238E27FC236}">
-                <a16:creationId xmlns:a16="http://schemas.microsoft.com/office/drawing/2014/main" xmlns="" id="{2ED56B4F-7D11-064A-AB60-A5B576862EC9}"/>
+                <a16:creationId xmlns="" xmlns:a16="http://schemas.microsoft.com/office/drawing/2014/main" id="{2ED56B4F-7D11-064A-AB60-A5B576862EC9}"/>
               </a:ext>
             </a:extLst>
           </p:cNvPr>
@@ -335,7 +335,7 @@
           <p:cNvPr id="5" name="바닥글 개체 틀 4">
             <a:extLst>
               <a:ext uri="{FF2B5EF4-FFF2-40B4-BE49-F238E27FC236}">
-                <a16:creationId xmlns:a16="http://schemas.microsoft.com/office/drawing/2014/main" xmlns="" id="{FE263B2D-0128-8A42-BDC4-484008DA6E4D}"/>
+                <a16:creationId xmlns="" xmlns:a16="http://schemas.microsoft.com/office/drawing/2014/main" id="{FE263B2D-0128-8A42-BDC4-484008DA6E4D}"/>
               </a:ext>
             </a:extLst>
           </p:cNvPr>
@@ -360,7 +360,7 @@
           <p:cNvPr id="6" name="슬라이드 번호 개체 틀 5">
             <a:extLst>
               <a:ext uri="{FF2B5EF4-FFF2-40B4-BE49-F238E27FC236}">
-                <a16:creationId xmlns:a16="http://schemas.microsoft.com/office/drawing/2014/main" xmlns="" id="{41645B90-C0D0-1642-B841-BC724956F3D8}"/>
+                <a16:creationId xmlns="" xmlns:a16="http://schemas.microsoft.com/office/drawing/2014/main" id="{41645B90-C0D0-1642-B841-BC724956F3D8}"/>
               </a:ext>
             </a:extLst>
           </p:cNvPr>
@@ -388,7 +388,7 @@
     </p:spTree>
     <p:extLst>
       <p:ext uri="{BB962C8B-B14F-4D97-AF65-F5344CB8AC3E}">
-        <p14:creationId xmlns:p14="http://schemas.microsoft.com/office/powerpoint/2010/main" xmlns="" val="491645362"/>
+        <p14:creationId xmlns="" xmlns:p14="http://schemas.microsoft.com/office/powerpoint/2010/main" val="491645362"/>
       </p:ext>
     </p:extLst>
   </p:cSld>
@@ -420,7 +420,7 @@
           <p:cNvPr id="2" name="세로 제목 1">
             <a:extLst>
               <a:ext uri="{FF2B5EF4-FFF2-40B4-BE49-F238E27FC236}">
-                <a16:creationId xmlns:a16="http://schemas.microsoft.com/office/drawing/2014/main" xmlns="" id="{23BBADBF-DA98-1346-813F-A2AC25C188F1}"/>
+                <a16:creationId xmlns="" xmlns:a16="http://schemas.microsoft.com/office/drawing/2014/main" id="{23BBADBF-DA98-1346-813F-A2AC25C188F1}"/>
               </a:ext>
             </a:extLst>
           </p:cNvPr>
@@ -453,7 +453,7 @@
           <p:cNvPr id="3" name="세로 텍스트 개체 틀 2">
             <a:extLst>
               <a:ext uri="{FF2B5EF4-FFF2-40B4-BE49-F238E27FC236}">
-                <a16:creationId xmlns:a16="http://schemas.microsoft.com/office/drawing/2014/main" xmlns="" id="{E71DCB14-25F7-5944-913C-4BC0FA199BF0}"/>
+                <a16:creationId xmlns="" xmlns:a16="http://schemas.microsoft.com/office/drawing/2014/main" id="{E71DCB14-25F7-5944-913C-4BC0FA199BF0}"/>
               </a:ext>
             </a:extLst>
           </p:cNvPr>
@@ -490,7 +490,7 @@
           <p:cNvPr id="4" name="날짜 개체 틀 3">
             <a:extLst>
               <a:ext uri="{FF2B5EF4-FFF2-40B4-BE49-F238E27FC236}">
-                <a16:creationId xmlns:a16="http://schemas.microsoft.com/office/drawing/2014/main" xmlns="" id="{AB9F125D-E85E-4245-A5FA-E760BD573F9B}"/>
+                <a16:creationId xmlns="" xmlns:a16="http://schemas.microsoft.com/office/drawing/2014/main" id="{AB9F125D-E85E-4245-A5FA-E760BD573F9B}"/>
               </a:ext>
             </a:extLst>
           </p:cNvPr>
@@ -520,7 +520,7 @@
           <p:cNvPr id="5" name="바닥글 개체 틀 4">
             <a:extLst>
               <a:ext uri="{FF2B5EF4-FFF2-40B4-BE49-F238E27FC236}">
-                <a16:creationId xmlns:a16="http://schemas.microsoft.com/office/drawing/2014/main" xmlns="" id="{AB14749B-CEAB-4A4A-A390-C2E6301A1477}"/>
+                <a16:creationId xmlns="" xmlns:a16="http://schemas.microsoft.com/office/drawing/2014/main" id="{AB14749B-CEAB-4A4A-A390-C2E6301A1477}"/>
               </a:ext>
             </a:extLst>
           </p:cNvPr>
@@ -545,7 +545,7 @@
           <p:cNvPr id="6" name="슬라이드 번호 개체 틀 5">
             <a:extLst>
               <a:ext uri="{FF2B5EF4-FFF2-40B4-BE49-F238E27FC236}">
-                <a16:creationId xmlns:a16="http://schemas.microsoft.com/office/drawing/2014/main" xmlns="" id="{1F231800-C791-1146-9190-3FBDB4C8F7BE}"/>
+                <a16:creationId xmlns="" xmlns:a16="http://schemas.microsoft.com/office/drawing/2014/main" id="{1F231800-C791-1146-9190-3FBDB4C8F7BE}"/>
               </a:ext>
             </a:extLst>
           </p:cNvPr>
@@ -573,7 +573,7 @@
     </p:spTree>
     <p:extLst>
       <p:ext uri="{BB962C8B-B14F-4D97-AF65-F5344CB8AC3E}">
-        <p14:creationId xmlns:p14="http://schemas.microsoft.com/office/powerpoint/2010/main" xmlns="" val="4010004194"/>
+        <p14:creationId xmlns="" xmlns:p14="http://schemas.microsoft.com/office/powerpoint/2010/main" val="4010004194"/>
       </p:ext>
     </p:extLst>
   </p:cSld>
@@ -605,7 +605,7 @@
           <p:cNvPr id="11" name="모서리가 둥근 직사각형 10">
             <a:extLst>
               <a:ext uri="{FF2B5EF4-FFF2-40B4-BE49-F238E27FC236}">
-                <a16:creationId xmlns:a16="http://schemas.microsoft.com/office/drawing/2014/main" xmlns="" id="{F8E8D2E9-3412-6A4F-8299-95CABE8A8516}"/>
+                <a16:creationId xmlns="" xmlns:a16="http://schemas.microsoft.com/office/drawing/2014/main" id="{F8E8D2E9-3412-6A4F-8299-95CABE8A8516}"/>
               </a:ext>
             </a:extLst>
           </p:cNvPr>
@@ -657,7 +657,7 @@
     </p:spTree>
     <p:extLst>
       <p:ext uri="{BB962C8B-B14F-4D97-AF65-F5344CB8AC3E}">
-        <p14:creationId xmlns:p14="http://schemas.microsoft.com/office/powerpoint/2010/main" xmlns="" val="1385258477"/>
+        <p14:creationId xmlns="" xmlns:p14="http://schemas.microsoft.com/office/powerpoint/2010/main" val="1385258477"/>
       </p:ext>
     </p:extLst>
   </p:cSld>
@@ -687,7 +687,7 @@
     </p:spTree>
     <p:extLst>
       <p:ext uri="{BB962C8B-B14F-4D97-AF65-F5344CB8AC3E}">
-        <p14:creationId xmlns:p14="http://schemas.microsoft.com/office/powerpoint/2010/main" xmlns="" val="2286708041"/>
+        <p14:creationId xmlns="" xmlns:p14="http://schemas.microsoft.com/office/powerpoint/2010/main" val="2286708041"/>
       </p:ext>
     </p:extLst>
   </p:cSld>
@@ -717,7 +717,7 @@
     </p:spTree>
     <p:extLst>
       <p:ext uri="{BB962C8B-B14F-4D97-AF65-F5344CB8AC3E}">
-        <p14:creationId xmlns:p14="http://schemas.microsoft.com/office/powerpoint/2010/main" xmlns="" val="1026027276"/>
+        <p14:creationId xmlns="" xmlns:p14="http://schemas.microsoft.com/office/powerpoint/2010/main" val="1026027276"/>
       </p:ext>
     </p:extLst>
   </p:cSld>
@@ -747,7 +747,7 @@
     </p:spTree>
     <p:extLst>
       <p:ext uri="{BB962C8B-B14F-4D97-AF65-F5344CB8AC3E}">
-        <p14:creationId xmlns:p14="http://schemas.microsoft.com/office/powerpoint/2010/main" xmlns="" val="1285341521"/>
+        <p14:creationId xmlns="" xmlns:p14="http://schemas.microsoft.com/office/powerpoint/2010/main" val="1285341521"/>
       </p:ext>
     </p:extLst>
   </p:cSld>
@@ -777,7 +777,7 @@
     </p:spTree>
     <p:extLst>
       <p:ext uri="{BB962C8B-B14F-4D97-AF65-F5344CB8AC3E}">
-        <p14:creationId xmlns:p14="http://schemas.microsoft.com/office/powerpoint/2010/main" xmlns="" val="263461665"/>
+        <p14:creationId xmlns="" xmlns:p14="http://schemas.microsoft.com/office/powerpoint/2010/main" val="263461665"/>
       </p:ext>
     </p:extLst>
   </p:cSld>
@@ -807,7 +807,7 @@
     </p:spTree>
     <p:extLst>
       <p:ext uri="{BB962C8B-B14F-4D97-AF65-F5344CB8AC3E}">
-        <p14:creationId xmlns:p14="http://schemas.microsoft.com/office/powerpoint/2010/main" xmlns="" val="3109613900"/>
+        <p14:creationId xmlns="" xmlns:p14="http://schemas.microsoft.com/office/powerpoint/2010/main" val="3109613900"/>
       </p:ext>
     </p:extLst>
   </p:cSld>
@@ -839,7 +839,7 @@
           <p:cNvPr id="8" name="모서리가 둥근 직사각형 7">
             <a:extLst>
               <a:ext uri="{FF2B5EF4-FFF2-40B4-BE49-F238E27FC236}">
-                <a16:creationId xmlns:a16="http://schemas.microsoft.com/office/drawing/2014/main" xmlns="" id="{16D57293-3E02-2343-BD32-C2B97E3F628E}"/>
+                <a16:creationId xmlns="" xmlns:a16="http://schemas.microsoft.com/office/drawing/2014/main" id="{16D57293-3E02-2343-BD32-C2B97E3F628E}"/>
               </a:ext>
             </a:extLst>
           </p:cNvPr>
@@ -891,7 +891,7 @@
     </p:spTree>
     <p:extLst>
       <p:ext uri="{BB962C8B-B14F-4D97-AF65-F5344CB8AC3E}">
-        <p14:creationId xmlns:p14="http://schemas.microsoft.com/office/powerpoint/2010/main" xmlns="" val="4013367621"/>
+        <p14:creationId xmlns="" xmlns:p14="http://schemas.microsoft.com/office/powerpoint/2010/main" val="4013367621"/>
       </p:ext>
     </p:extLst>
   </p:cSld>
@@ -923,7 +923,7 @@
           <p:cNvPr id="2" name="제목 1">
             <a:extLst>
               <a:ext uri="{FF2B5EF4-FFF2-40B4-BE49-F238E27FC236}">
-                <a16:creationId xmlns:a16="http://schemas.microsoft.com/office/drawing/2014/main" xmlns="" id="{C34A901D-5670-7649-8704-B69C96E8B584}"/>
+                <a16:creationId xmlns="" xmlns:a16="http://schemas.microsoft.com/office/drawing/2014/main" id="{C34A901D-5670-7649-8704-B69C96E8B584}"/>
               </a:ext>
             </a:extLst>
           </p:cNvPr>
@@ -960,7 +960,7 @@
           <p:cNvPr id="3" name="그림 개체 틀 2">
             <a:extLst>
               <a:ext uri="{FF2B5EF4-FFF2-40B4-BE49-F238E27FC236}">
-                <a16:creationId xmlns:a16="http://schemas.microsoft.com/office/drawing/2014/main" xmlns="" id="{969B26F1-5C24-8C42-B12B-D6632FD06600}"/>
+                <a16:creationId xmlns="" xmlns:a16="http://schemas.microsoft.com/office/drawing/2014/main" id="{969B26F1-5C24-8C42-B12B-D6632FD06600}"/>
               </a:ext>
             </a:extLst>
           </p:cNvPr>
@@ -1027,7 +1027,7 @@
           <p:cNvPr id="4" name="텍스트 개체 틀 3">
             <a:extLst>
               <a:ext uri="{FF2B5EF4-FFF2-40B4-BE49-F238E27FC236}">
-                <a16:creationId xmlns:a16="http://schemas.microsoft.com/office/drawing/2014/main" xmlns="" id="{8441C5C2-6BB9-5543-BE99-81DB977B02F9}"/>
+                <a16:creationId xmlns="" xmlns:a16="http://schemas.microsoft.com/office/drawing/2014/main" id="{8441C5C2-6BB9-5543-BE99-81DB977B02F9}"/>
               </a:ext>
             </a:extLst>
           </p:cNvPr>
@@ -1101,7 +1101,7 @@
           <p:cNvPr id="5" name="날짜 개체 틀 4">
             <a:extLst>
               <a:ext uri="{FF2B5EF4-FFF2-40B4-BE49-F238E27FC236}">
-                <a16:creationId xmlns:a16="http://schemas.microsoft.com/office/drawing/2014/main" xmlns="" id="{27AF1D52-4D7C-D448-9AF6-D5DE72632FBC}"/>
+                <a16:creationId xmlns="" xmlns:a16="http://schemas.microsoft.com/office/drawing/2014/main" id="{27AF1D52-4D7C-D448-9AF6-D5DE72632FBC}"/>
               </a:ext>
             </a:extLst>
           </p:cNvPr>
@@ -1131,7 +1131,7 @@
           <p:cNvPr id="6" name="바닥글 개체 틀 5">
             <a:extLst>
               <a:ext uri="{FF2B5EF4-FFF2-40B4-BE49-F238E27FC236}">
-                <a16:creationId xmlns:a16="http://schemas.microsoft.com/office/drawing/2014/main" xmlns="" id="{2B358652-B17E-D647-8F15-5DE2F0E06380}"/>
+                <a16:creationId xmlns="" xmlns:a16="http://schemas.microsoft.com/office/drawing/2014/main" id="{2B358652-B17E-D647-8F15-5DE2F0E06380}"/>
               </a:ext>
             </a:extLst>
           </p:cNvPr>
@@ -1156,7 +1156,7 @@
           <p:cNvPr id="7" name="슬라이드 번호 개체 틀 6">
             <a:extLst>
               <a:ext uri="{FF2B5EF4-FFF2-40B4-BE49-F238E27FC236}">
-                <a16:creationId xmlns:a16="http://schemas.microsoft.com/office/drawing/2014/main" xmlns="" id="{A64292CD-CD10-254C-8D6E-F1A94249ABEF}"/>
+                <a16:creationId xmlns="" xmlns:a16="http://schemas.microsoft.com/office/drawing/2014/main" id="{A64292CD-CD10-254C-8D6E-F1A94249ABEF}"/>
               </a:ext>
             </a:extLst>
           </p:cNvPr>
@@ -1184,7 +1184,7 @@
     </p:spTree>
     <p:extLst>
       <p:ext uri="{BB962C8B-B14F-4D97-AF65-F5344CB8AC3E}">
-        <p14:creationId xmlns:p14="http://schemas.microsoft.com/office/powerpoint/2010/main" xmlns="" val="3759559603"/>
+        <p14:creationId xmlns="" xmlns:p14="http://schemas.microsoft.com/office/powerpoint/2010/main" val="3759559603"/>
       </p:ext>
     </p:extLst>
   </p:cSld>
@@ -1221,7 +1221,7 @@
           <p:cNvPr id="2" name="제목 개체 틀 1">
             <a:extLst>
               <a:ext uri="{FF2B5EF4-FFF2-40B4-BE49-F238E27FC236}">
-                <a16:creationId xmlns:a16="http://schemas.microsoft.com/office/drawing/2014/main" xmlns="" id="{75FC3C51-659B-8A4D-99CC-6922733932D5}"/>
+                <a16:creationId xmlns="" xmlns:a16="http://schemas.microsoft.com/office/drawing/2014/main" id="{75FC3C51-659B-8A4D-99CC-6922733932D5}"/>
               </a:ext>
             </a:extLst>
           </p:cNvPr>
@@ -1259,7 +1259,7 @@
           <p:cNvPr id="3" name="텍스트 개체 틀 2">
             <a:extLst>
               <a:ext uri="{FF2B5EF4-FFF2-40B4-BE49-F238E27FC236}">
-                <a16:creationId xmlns:a16="http://schemas.microsoft.com/office/drawing/2014/main" xmlns="" id="{5FC0C989-10BE-AC4A-82E7-5B561F9E85FA}"/>
+                <a16:creationId xmlns="" xmlns:a16="http://schemas.microsoft.com/office/drawing/2014/main" id="{5FC0C989-10BE-AC4A-82E7-5B561F9E85FA}"/>
               </a:ext>
             </a:extLst>
           </p:cNvPr>
@@ -1301,7 +1301,7 @@
           <p:cNvPr id="4" name="날짜 개체 틀 3">
             <a:extLst>
               <a:ext uri="{FF2B5EF4-FFF2-40B4-BE49-F238E27FC236}">
-                <a16:creationId xmlns:a16="http://schemas.microsoft.com/office/drawing/2014/main" xmlns="" id="{D5C47A00-2BA7-BA4A-AE41-1F023D850FF5}"/>
+                <a16:creationId xmlns="" xmlns:a16="http://schemas.microsoft.com/office/drawing/2014/main" id="{D5C47A00-2BA7-BA4A-AE41-1F023D850FF5}"/>
               </a:ext>
             </a:extLst>
           </p:cNvPr>
@@ -1349,7 +1349,7 @@
           <p:cNvPr id="5" name="바닥글 개체 틀 4">
             <a:extLst>
               <a:ext uri="{FF2B5EF4-FFF2-40B4-BE49-F238E27FC236}">
-                <a16:creationId xmlns:a16="http://schemas.microsoft.com/office/drawing/2014/main" xmlns="" id="{584EFFBB-44CB-2F4B-9857-E38AD260E5D5}"/>
+                <a16:creationId xmlns="" xmlns:a16="http://schemas.microsoft.com/office/drawing/2014/main" id="{584EFFBB-44CB-2F4B-9857-E38AD260E5D5}"/>
               </a:ext>
             </a:extLst>
           </p:cNvPr>
@@ -1392,7 +1392,7 @@
           <p:cNvPr id="6" name="슬라이드 번호 개체 틀 5">
             <a:extLst>
               <a:ext uri="{FF2B5EF4-FFF2-40B4-BE49-F238E27FC236}">
-                <a16:creationId xmlns:a16="http://schemas.microsoft.com/office/drawing/2014/main" xmlns="" id="{569FDA2F-9D0B-3D43-961E-F6E123D26937}"/>
+                <a16:creationId xmlns="" xmlns:a16="http://schemas.microsoft.com/office/drawing/2014/main" id="{569FDA2F-9D0B-3D43-961E-F6E123D26937}"/>
               </a:ext>
             </a:extLst>
           </p:cNvPr>
@@ -1438,7 +1438,7 @@
     </p:spTree>
     <p:extLst>
       <p:ext uri="{BB962C8B-B14F-4D97-AF65-F5344CB8AC3E}">
-        <p14:creationId xmlns:p14="http://schemas.microsoft.com/office/powerpoint/2010/main" xmlns="" val="1352639356"/>
+        <p14:creationId xmlns="" xmlns:p14="http://schemas.microsoft.com/office/powerpoint/2010/main" val="1352639356"/>
       </p:ext>
     </p:extLst>
   </p:cSld>
@@ -1806,7 +1806,7 @@
     </p:spTree>
     <p:extLst>
       <p:ext uri="{BB962C8B-B14F-4D97-AF65-F5344CB8AC3E}">
-        <p14:creationId xmlns:p14="http://schemas.microsoft.com/office/powerpoint/2010/main" xmlns="" val="2448145783"/>
+        <p14:creationId xmlns="" xmlns:p14="http://schemas.microsoft.com/office/powerpoint/2010/main" val="2448145783"/>
       </p:ext>
     </p:extLst>
   </p:cSld>
@@ -1838,7 +1838,7 @@
           <p:cNvPr id="4" name="직사각형 3">
             <a:extLst>
               <a:ext uri="{FF2B5EF4-FFF2-40B4-BE49-F238E27FC236}">
-                <a16:creationId xmlns:a16="http://schemas.microsoft.com/office/drawing/2014/main" xmlns="" id="{B36BB003-82C6-3C4F-9FDD-DDAE7D08F9F8}"/>
+                <a16:creationId xmlns="" xmlns:a16="http://schemas.microsoft.com/office/drawing/2014/main" id="{B36BB003-82C6-3C4F-9FDD-DDAE7D08F9F8}"/>
               </a:ext>
             </a:extLst>
           </p:cNvPr>
@@ -1866,15 +1866,7 @@
                 <a:ea typeface="함초롬바탕 확장" pitchFamily="18" charset="-127"/>
                 <a:cs typeface="함초롬바탕" pitchFamily="18" charset="-127"/>
               </a:rPr>
-              <a:t>윤선</a:t>
-            </a:r>
-            <a:r>
-              <a:rPr lang="ko-KR" altLang="en-US" sz="3200" b="1" dirty="0" smtClean="0">
-                <a:latin typeface="함초롬바탕 확장" pitchFamily="18" charset="-127"/>
-                <a:ea typeface="함초롬바탕 확장" pitchFamily="18" charset="-127"/>
-                <a:cs typeface="함초롬바탕" pitchFamily="18" charset="-127"/>
-              </a:rPr>
-              <a:t>호</a:t>
+              <a:t>윤선호</a:t>
             </a:r>
             <a:endParaRPr lang="ko-KR" altLang="en-US" sz="3200" b="1" dirty="0">
               <a:latin typeface="함초롬바탕 확장" pitchFamily="18" charset="-127"/>
@@ -1889,7 +1881,7 @@
           <p:cNvPr id="5" name="TextBox 4">
             <a:extLst>
               <a:ext uri="{FF2B5EF4-FFF2-40B4-BE49-F238E27FC236}">
-                <a16:creationId xmlns:a16="http://schemas.microsoft.com/office/drawing/2014/main" xmlns="" id="{0A49AA01-91EC-BB4E-8D6A-7525A518DC6C}"/>
+                <a16:creationId xmlns="" xmlns:a16="http://schemas.microsoft.com/office/drawing/2014/main" id="{0A49AA01-91EC-BB4E-8D6A-7525A518DC6C}"/>
               </a:ext>
             </a:extLst>
           </p:cNvPr>
@@ -2017,11 +2009,7 @@
             </a:pPr>
             <a:r>
               <a:rPr lang="ko-KR" altLang="en-US" dirty="0" smtClean="0"/>
-              <a:t>휴대폰 </a:t>
-            </a:r>
-            <a:r>
-              <a:rPr lang="ko-KR" altLang="en-US" dirty="0" smtClean="0"/>
-              <a:t>번호 </a:t>
+              <a:t>휴대폰 번호 </a:t>
             </a:r>
             <a:r>
               <a:rPr lang="en-US" altLang="ko-KR" dirty="0" smtClean="0"/>
@@ -2077,7 +2065,7 @@
           <p:cNvPr id="12" name="모서리가 둥근 직사각형 11">
             <a:extLst>
               <a:ext uri="{FF2B5EF4-FFF2-40B4-BE49-F238E27FC236}">
-                <a16:creationId xmlns:a16="http://schemas.microsoft.com/office/drawing/2014/main" xmlns="" id="{87C06125-C0A1-6540-892A-FE4770A4611D}"/>
+                <a16:creationId xmlns="" xmlns:a16="http://schemas.microsoft.com/office/drawing/2014/main" id="{87C06125-C0A1-6540-892A-FE4770A4611D}"/>
               </a:ext>
             </a:extLst>
           </p:cNvPr>
@@ -2129,7 +2117,7 @@
           <p:cNvPr id="13" name="모서리가 둥근 직사각형 12">
             <a:extLst>
               <a:ext uri="{FF2B5EF4-FFF2-40B4-BE49-F238E27FC236}">
-                <a16:creationId xmlns:a16="http://schemas.microsoft.com/office/drawing/2014/main" xmlns="" id="{1B280AC4-0752-8A40-B33E-14C67FEC4B23}"/>
+                <a16:creationId xmlns="" xmlns:a16="http://schemas.microsoft.com/office/drawing/2014/main" id="{1B280AC4-0752-8A40-B33E-14C67FEC4B23}"/>
               </a:ext>
             </a:extLst>
           </p:cNvPr>
@@ -2183,7 +2171,7 @@
           <p:cNvPr id="19" name="직사각형 18">
             <a:extLst>
               <a:ext uri="{FF2B5EF4-FFF2-40B4-BE49-F238E27FC236}">
-                <a16:creationId xmlns:a16="http://schemas.microsoft.com/office/drawing/2014/main" xmlns="" id="{70A642B3-2ADA-B94A-97F7-2900E7E72AAE}"/>
+                <a16:creationId xmlns="" xmlns:a16="http://schemas.microsoft.com/office/drawing/2014/main" id="{70A642B3-2ADA-B94A-97F7-2900E7E72AAE}"/>
               </a:ext>
             </a:extLst>
           </p:cNvPr>
@@ -2286,7 +2274,7 @@
           <p:cNvPr id="20" name="모서리가 둥근 직사각형 19">
             <a:extLst>
               <a:ext uri="{FF2B5EF4-FFF2-40B4-BE49-F238E27FC236}">
-                <a16:creationId xmlns:a16="http://schemas.microsoft.com/office/drawing/2014/main" xmlns="" id="{1B280AC4-0752-8A40-B33E-14C67FEC4B23}"/>
+                <a16:creationId xmlns="" xmlns:a16="http://schemas.microsoft.com/office/drawing/2014/main" id="{1B280AC4-0752-8A40-B33E-14C67FEC4B23}"/>
               </a:ext>
             </a:extLst>
           </p:cNvPr>
@@ -2401,11 +2389,7 @@
           <a:p>
             <a:r>
               <a:rPr lang="en-US" altLang="ko-KR" dirty="0" smtClean="0"/>
-              <a:t> </a:t>
-            </a:r>
-            <a:r>
-              <a:rPr lang="en-US" altLang="ko-KR" dirty="0" smtClean="0"/>
-              <a:t>Hobby</a:t>
+              <a:t> Hobby</a:t>
             </a:r>
             <a:endParaRPr lang="ko-KR" altLang="en-US" dirty="0"/>
           </a:p>
@@ -2416,7 +2400,7 @@
           <p:cNvPr id="25" name="직사각형 24">
             <a:extLst>
               <a:ext uri="{FF2B5EF4-FFF2-40B4-BE49-F238E27FC236}">
-                <a16:creationId xmlns:a16="http://schemas.microsoft.com/office/drawing/2014/main" xmlns="" id="{70A642B3-2ADA-B94A-97F7-2900E7E72AAE}"/>
+                <a16:creationId xmlns="" xmlns:a16="http://schemas.microsoft.com/office/drawing/2014/main" id="{70A642B3-2ADA-B94A-97F7-2900E7E72AAE}"/>
               </a:ext>
             </a:extLst>
           </p:cNvPr>
@@ -2569,7 +2553,7 @@
           <p:cNvPr id="29" name="직사각형 28">
             <a:extLst>
               <a:ext uri="{FF2B5EF4-FFF2-40B4-BE49-F238E27FC236}">
-                <a16:creationId xmlns:a16="http://schemas.microsoft.com/office/drawing/2014/main" xmlns="" id="{70A642B3-2ADA-B94A-97F7-2900E7E72AAE}"/>
+                <a16:creationId xmlns="" xmlns:a16="http://schemas.microsoft.com/office/drawing/2014/main" id="{70A642B3-2ADA-B94A-97F7-2900E7E72AAE}"/>
               </a:ext>
             </a:extLst>
           </p:cNvPr>
@@ -2644,7 +2628,7 @@
           <p:cNvPr id="33" name="모서리가 둥근 직사각형 32">
             <a:extLst>
               <a:ext uri="{FF2B5EF4-FFF2-40B4-BE49-F238E27FC236}">
-                <a16:creationId xmlns:a16="http://schemas.microsoft.com/office/drawing/2014/main" xmlns="" id="{87C06125-C0A1-6540-892A-FE4770A4611D}"/>
+                <a16:creationId xmlns="" xmlns:a16="http://schemas.microsoft.com/office/drawing/2014/main" id="{87C06125-C0A1-6540-892A-FE4770A4611D}"/>
               </a:ext>
             </a:extLst>
           </p:cNvPr>
@@ -2696,7 +2680,7 @@
           <p:cNvPr id="31" name="직사각형 30">
             <a:extLst>
               <a:ext uri="{FF2B5EF4-FFF2-40B4-BE49-F238E27FC236}">
-                <a16:creationId xmlns:a16="http://schemas.microsoft.com/office/drawing/2014/main" xmlns="" id="{70A642B3-2ADA-B94A-97F7-2900E7E72AAE}"/>
+                <a16:creationId xmlns="" xmlns:a16="http://schemas.microsoft.com/office/drawing/2014/main" id="{70A642B3-2ADA-B94A-97F7-2900E7E72AAE}"/>
               </a:ext>
             </a:extLst>
           </p:cNvPr>
@@ -2742,11 +2726,6 @@
               </a:rPr>
               <a:t> </a:t>
             </a:r>
-            <a:endParaRPr lang="en-US" altLang="ko-KR" sz="1600" dirty="0" smtClean="0">
-              <a:solidFill>
-                <a:schemeClr val="bg1"/>
-              </a:solidFill>
-            </a:endParaRPr>
           </a:p>
           <a:p>
             <a:endParaRPr lang="en-US" altLang="ko-KR" sz="1600" dirty="0" smtClean="0">
@@ -2850,7 +2829,7 @@
     </p:spTree>
     <p:extLst>
       <p:ext uri="{BB962C8B-B14F-4D97-AF65-F5344CB8AC3E}">
-        <p14:creationId xmlns:p14="http://schemas.microsoft.com/office/powerpoint/2010/main" xmlns="" val="4108284575"/>
+        <p14:creationId xmlns="" xmlns:p14="http://schemas.microsoft.com/office/powerpoint/2010/main" val="4108284575"/>
       </p:ext>
     </p:extLst>
   </p:cSld>
@@ -2882,7 +2861,7 @@
           <p:cNvPr id="2" name="TextBox 1">
             <a:extLst>
               <a:ext uri="{FF2B5EF4-FFF2-40B4-BE49-F238E27FC236}">
-                <a16:creationId xmlns:a16="http://schemas.microsoft.com/office/drawing/2014/main" xmlns="" id="{F22A0437-3774-614B-8152-2094FBBA1A78}"/>
+                <a16:creationId xmlns="" xmlns:a16="http://schemas.microsoft.com/office/drawing/2014/main" id="{F22A0437-3774-614B-8152-2094FBBA1A78}"/>
               </a:ext>
             </a:extLst>
           </p:cNvPr>
@@ -2936,7 +2915,7 @@
     </p:spTree>
     <p:extLst>
       <p:ext uri="{BB962C8B-B14F-4D97-AF65-F5344CB8AC3E}">
-        <p14:creationId xmlns:p14="http://schemas.microsoft.com/office/powerpoint/2010/main" xmlns="" val="2448145783"/>
+        <p14:creationId xmlns="" xmlns:p14="http://schemas.microsoft.com/office/powerpoint/2010/main" val="2448145783"/>
       </p:ext>
     </p:extLst>
   </p:cSld>
@@ -3235,7 +3214,7 @@
   <a:extraClrSchemeLst/>
   <a:extLst>
     <a:ext uri="{05A4C25C-085E-4340-85A3-A5531E510DB2}">
-      <thm15:themeFamily xmlns:thm15="http://schemas.microsoft.com/office/thememl/2012/main" xmlns="" name="Office Theme" id="{62F939B6-93AF-4DB8-9C6B-D6C7DFDC589F}" vid="{4A3C46E8-61CC-4603-A589-7422A47A8E4A}"/>
+      <thm15:themeFamily xmlns="" xmlns:thm15="http://schemas.microsoft.com/office/thememl/2012/main" name="Office Theme" id="{62F939B6-93AF-4DB8-9C6B-D6C7DFDC589F}" vid="{4A3C46E8-61CC-4603-A589-7422A47A8E4A}"/>
     </a:ext>
   </a:extLst>
 </a:theme>
